--- a/Food servey during covid 19 ppt.pptx
+++ b/Food servey during covid 19 ppt.pptx
@@ -729,11 +729,7 @@
             </a:pPr>
             <a:r>
               <a:rPr lang="en-US" sz="1400" baseline="0" dirty="0" smtClean="0"/>
-              <a:t>Faced </a:t>
-            </a:r>
-            <a:r>
-              <a:rPr lang="en-US" sz="1400" baseline="0" dirty="0" smtClean="0"/>
-              <a:t>COVID </a:t>
+              <a:t>Faced COVID </a:t>
             </a:r>
             <a:endParaRPr lang="en-US" sz="1400" dirty="0"/>
           </a:p>
@@ -1469,12 +1465,12 @@
         </c:dLbls>
         <c:gapWidth val="150"/>
         <c:shape val="box"/>
-        <c:axId val="-2058028016"/>
-        <c:axId val="-2058016592"/>
-        <c:axId val="-2007721216"/>
+        <c:axId val="-2023025232"/>
+        <c:axId val="-2023032848"/>
+        <c:axId val="-2022996880"/>
       </c:bar3DChart>
       <c:catAx>
-        <c:axId val="-2058028016"/>
+        <c:axId val="-2023025232"/>
         <c:scaling>
           <c:orientation val="minMax"/>
         </c:scaling>
@@ -1510,7 +1506,7 @@
             <a:endParaRPr lang="en-US"/>
           </a:p>
         </c:txPr>
-        <c:crossAx val="-2058016592"/>
+        <c:crossAx val="-2023032848"/>
         <c:crosses val="autoZero"/>
         <c:auto val="1"/>
         <c:lblAlgn val="ctr"/>
@@ -1518,7 +1514,7 @@
         <c:noMultiLvlLbl val="0"/>
       </c:catAx>
       <c:valAx>
-        <c:axId val="-2058016592"/>
+        <c:axId val="-2023032848"/>
         <c:scaling>
           <c:orientation val="minMax"/>
         </c:scaling>
@@ -1568,12 +1564,12 @@
             <a:endParaRPr lang="en-US"/>
           </a:p>
         </c:txPr>
-        <c:crossAx val="-2058028016"/>
+        <c:crossAx val="-2023025232"/>
         <c:crosses val="autoZero"/>
         <c:crossBetween val="between"/>
       </c:valAx>
       <c:serAx>
-        <c:axId val="-2007721216"/>
+        <c:axId val="-2022996880"/>
         <c:scaling>
           <c:orientation val="minMax"/>
         </c:scaling>
@@ -1582,7 +1578,7 @@
         <c:majorTickMark val="out"/>
         <c:minorTickMark val="none"/>
         <c:tickLblPos val="nextTo"/>
-        <c:crossAx val="-2058016592"/>
+        <c:crossAx val="-2023032848"/>
         <c:crosses val="autoZero"/>
       </c:serAx>
       <c:spPr>
@@ -2427,12 +2423,12 @@
         </c:dLbls>
         <c:gapWidth val="150"/>
         <c:shape val="box"/>
-        <c:axId val="-2096007936"/>
-        <c:axId val="-2096006304"/>
-        <c:axId val="-2007731824"/>
+        <c:axId val="-2023024144"/>
+        <c:axId val="-2023035024"/>
+        <c:axId val="-2023886304"/>
       </c:bar3DChart>
       <c:catAx>
-        <c:axId val="-2096007936"/>
+        <c:axId val="-2023024144"/>
         <c:scaling>
           <c:orientation val="minMax"/>
         </c:scaling>
@@ -2468,7 +2464,7 @@
             <a:endParaRPr lang="en-US"/>
           </a:p>
         </c:txPr>
-        <c:crossAx val="-2096006304"/>
+        <c:crossAx val="-2023035024"/>
         <c:crosses val="autoZero"/>
         <c:auto val="1"/>
         <c:lblAlgn val="ctr"/>
@@ -2476,7 +2472,7 @@
         <c:noMultiLvlLbl val="0"/>
       </c:catAx>
       <c:valAx>
-        <c:axId val="-2096006304"/>
+        <c:axId val="-2023035024"/>
         <c:scaling>
           <c:orientation val="minMax"/>
         </c:scaling>
@@ -2526,12 +2522,12 @@
             <a:endParaRPr lang="en-US"/>
           </a:p>
         </c:txPr>
-        <c:crossAx val="-2096007936"/>
+        <c:crossAx val="-2023024144"/>
         <c:crosses val="autoZero"/>
         <c:crossBetween val="between"/>
       </c:valAx>
       <c:serAx>
-        <c:axId val="-2007731824"/>
+        <c:axId val="-2023886304"/>
         <c:scaling>
           <c:orientation val="minMax"/>
         </c:scaling>
@@ -2540,7 +2536,7 @@
         <c:majorTickMark val="out"/>
         <c:minorTickMark val="none"/>
         <c:tickLblPos val="nextTo"/>
-        <c:crossAx val="-2096006304"/>
+        <c:crossAx val="-2023035024"/>
         <c:crosses val="autoZero"/>
       </c:serAx>
       <c:spPr>
@@ -3153,12 +3149,12 @@
         </c:dLbls>
         <c:gapWidth val="150"/>
         <c:shape val="box"/>
-        <c:axId val="-2011489104"/>
-        <c:axId val="-2011490736"/>
-        <c:axId val="-2007724336"/>
+        <c:axId val="-2101403808"/>
+        <c:axId val="-2101411968"/>
+        <c:axId val="-2057034544"/>
       </c:bar3DChart>
       <c:catAx>
-        <c:axId val="-2011489104"/>
+        <c:axId val="-2101403808"/>
         <c:scaling>
           <c:orientation val="minMax"/>
         </c:scaling>
@@ -3195,7 +3191,7 @@
             <a:endParaRPr lang="en-US"/>
           </a:p>
         </c:txPr>
-        <c:crossAx val="-2011490736"/>
+        <c:crossAx val="-2101411968"/>
         <c:crosses val="autoZero"/>
         <c:auto val="1"/>
         <c:lblAlgn val="ctr"/>
@@ -3203,7 +3199,7 @@
         <c:noMultiLvlLbl val="0"/>
       </c:catAx>
       <c:valAx>
-        <c:axId val="-2011490736"/>
+        <c:axId val="-2101411968"/>
         <c:scaling>
           <c:orientation val="minMax"/>
         </c:scaling>
@@ -3240,12 +3236,12 @@
             <a:endParaRPr lang="en-US"/>
           </a:p>
         </c:txPr>
-        <c:crossAx val="-2011489104"/>
+        <c:crossAx val="-2101403808"/>
         <c:crosses val="autoZero"/>
         <c:crossBetween val="between"/>
       </c:valAx>
       <c:serAx>
-        <c:axId val="-2007724336"/>
+        <c:axId val="-2057034544"/>
         <c:scaling>
           <c:orientation val="minMax"/>
         </c:scaling>
@@ -3254,7 +3250,7 @@
         <c:majorTickMark val="none"/>
         <c:minorTickMark val="none"/>
         <c:tickLblPos val="nextTo"/>
-        <c:crossAx val="-2011490736"/>
+        <c:crossAx val="-2101411968"/>
         <c:crosses val="autoZero"/>
       </c:serAx>
       <c:spPr>
@@ -3572,11 +3568,11 @@
         </c:dLbls>
         <c:gapWidth val="219"/>
         <c:overlap val="-27"/>
-        <c:axId val="-2011488016"/>
-        <c:axId val="-2011484752"/>
+        <c:axId val="-2101408704"/>
+        <c:axId val="-2101406528"/>
       </c:barChart>
       <c:catAx>
-        <c:axId val="-2011488016"/>
+        <c:axId val="-2101408704"/>
         <c:scaling>
           <c:orientation val="minMax"/>
         </c:scaling>
@@ -3619,7 +3615,7 @@
             <a:endParaRPr lang="en-US"/>
           </a:p>
         </c:txPr>
-        <c:crossAx val="-2011484752"/>
+        <c:crossAx val="-2101406528"/>
         <c:crosses val="autoZero"/>
         <c:auto val="1"/>
         <c:lblAlgn val="ctr"/>
@@ -3627,7 +3623,7 @@
         <c:noMultiLvlLbl val="0"/>
       </c:catAx>
       <c:valAx>
-        <c:axId val="-2011484752"/>
+        <c:axId val="-2101406528"/>
         <c:scaling>
           <c:orientation val="minMax"/>
         </c:scaling>
@@ -3664,7 +3660,7 @@
             <a:endParaRPr lang="en-US"/>
           </a:p>
         </c:txPr>
-        <c:crossAx val="-2011488016"/>
+        <c:crossAx val="-2101408704"/>
         <c:crosses val="autoZero"/>
         <c:crossBetween val="between"/>
       </c:valAx>
@@ -5422,12 +5418,12 @@
         <c:gapWidth val="154"/>
         <c:gapDepth val="0"/>
         <c:shape val="box"/>
-        <c:axId val="-2011486928"/>
-        <c:axId val="-2011486384"/>
+        <c:axId val="-2101405440"/>
+        <c:axId val="-2101401088"/>
         <c:axId val="0"/>
       </c:bar3DChart>
       <c:catAx>
-        <c:axId val="-2011486928"/>
+        <c:axId val="-2101405440"/>
         <c:scaling>
           <c:orientation val="minMax"/>
         </c:scaling>
@@ -5475,7 +5471,7 @@
             <a:endParaRPr lang="en-US"/>
           </a:p>
         </c:txPr>
-        <c:crossAx val="-2011486384"/>
+        <c:crossAx val="-2101401088"/>
         <c:crosses val="autoZero"/>
         <c:auto val="1"/>
         <c:lblAlgn val="ctr"/>
@@ -5483,7 +5479,7 @@
         <c:noMultiLvlLbl val="0"/>
       </c:catAx>
       <c:valAx>
-        <c:axId val="-2011486384"/>
+        <c:axId val="-2101401088"/>
         <c:scaling>
           <c:orientation val="minMax"/>
         </c:scaling>
@@ -5517,7 +5513,7 @@
             <a:endParaRPr lang="en-US"/>
           </a:p>
         </c:txPr>
-        <c:crossAx val="-2011486928"/>
+        <c:crossAx val="-2101405440"/>
         <c:crosses val="autoZero"/>
         <c:crossBetween val="between"/>
       </c:valAx>
@@ -5827,11 +5823,11 @@
           <c:showBubbleSize val="0"/>
         </c:dLbls>
         <c:gapWidth val="41"/>
-        <c:axId val="-2011485840"/>
-        <c:axId val="-2011485296"/>
+        <c:axId val="-2023024688"/>
+        <c:axId val="-2023028496"/>
       </c:barChart>
       <c:catAx>
-        <c:axId val="-2011485840"/>
+        <c:axId val="-2023024688"/>
         <c:scaling>
           <c:orientation val="minMax"/>
         </c:scaling>
@@ -5869,7 +5865,7 @@
             <a:endParaRPr lang="en-US"/>
           </a:p>
         </c:txPr>
-        <c:crossAx val="-2011485296"/>
+        <c:crossAx val="-2023028496"/>
         <c:crosses val="autoZero"/>
         <c:auto val="1"/>
         <c:lblAlgn val="ctr"/>
@@ -5877,7 +5873,7 @@
         <c:noMultiLvlLbl val="0"/>
       </c:catAx>
       <c:valAx>
-        <c:axId val="-2011485296"/>
+        <c:axId val="-2023028496"/>
         <c:scaling>
           <c:orientation val="minMax"/>
         </c:scaling>
@@ -5887,7 +5883,7 @@
         <c:majorTickMark val="none"/>
         <c:minorTickMark val="none"/>
         <c:tickLblPos val="nextTo"/>
-        <c:crossAx val="-2011485840"/>
+        <c:crossAx val="-2023024688"/>
         <c:crosses val="autoZero"/>
         <c:crossBetween val="between"/>
       </c:valAx>
@@ -6208,11 +6204,11 @@
         </c:dLbls>
         <c:gapWidth val="315"/>
         <c:overlap val="-40"/>
-        <c:axId val="-2058021488"/>
-        <c:axId val="-2058025296"/>
+        <c:axId val="-2023032304"/>
+        <c:axId val="-2023025776"/>
       </c:barChart>
       <c:catAx>
-        <c:axId val="-2058021488"/>
+        <c:axId val="-2023032304"/>
         <c:scaling>
           <c:orientation val="minMax"/>
         </c:scaling>
@@ -6273,7 +6269,7 @@
             <a:endParaRPr lang="en-US"/>
           </a:p>
         </c:txPr>
-        <c:crossAx val="-2058025296"/>
+        <c:crossAx val="-2023025776"/>
         <c:crosses val="autoZero"/>
         <c:auto val="1"/>
         <c:lblAlgn val="ctr"/>
@@ -6281,7 +6277,7 @@
         <c:noMultiLvlLbl val="0"/>
       </c:catAx>
       <c:valAx>
-        <c:axId val="-2058025296"/>
+        <c:axId val="-2023025776"/>
         <c:scaling>
           <c:orientation val="minMax"/>
         </c:scaling>
@@ -6342,7 +6338,7 @@
             <a:endParaRPr lang="en-US"/>
           </a:p>
         </c:txPr>
-        <c:crossAx val="-2058021488"/>
+        <c:crossAx val="-2023032304"/>
         <c:crosses val="autoZero"/>
         <c:crossBetween val="between"/>
       </c:valAx>
@@ -21867,6 +21863,36 @@
           </a:graphicData>
         </a:graphic>
       </p:graphicFrame>
+      <p:pic>
+        <p:nvPicPr>
+          <p:cNvPr id="5" name="Picture 4"/>
+          <p:cNvPicPr>
+            <a:picLocks noChangeAspect="1"/>
+          </p:cNvPicPr>
+          <p:nvPr/>
+        </p:nvPicPr>
+        <p:blipFill>
+          <a:blip r:embed="rId3" cstate="print">
+            <a:extLst>
+              <a:ext uri="{28A0092B-C50C-407E-A947-70E740481C1C}">
+                <a14:useLocalDpi xmlns:a14="http://schemas.microsoft.com/office/drawing/2010/main" val="0"/>
+              </a:ext>
+            </a:extLst>
+          </a:blip>
+          <a:stretch>
+            <a:fillRect/>
+          </a:stretch>
+        </p:blipFill>
+        <p:spPr>
+          <a:xfrm>
+            <a:off x="9415090" y="-192615"/>
+            <a:ext cx="3031027" cy="2703995"/>
+          </a:xfrm>
+          <a:prstGeom prst="rect">
+            <a:avLst/>
+          </a:prstGeom>
+        </p:spPr>
+      </p:pic>
     </p:spTree>
     <p:extLst>
       <p:ext uri="{BB962C8B-B14F-4D97-AF65-F5344CB8AC3E}">
@@ -21989,6 +22015,36 @@
           </a:graphicData>
         </a:graphic>
       </p:graphicFrame>
+      <p:pic>
+        <p:nvPicPr>
+          <p:cNvPr id="5" name="Picture 4"/>
+          <p:cNvPicPr>
+            <a:picLocks noChangeAspect="1"/>
+          </p:cNvPicPr>
+          <p:nvPr/>
+        </p:nvPicPr>
+        <p:blipFill>
+          <a:blip r:embed="rId3">
+            <a:extLst>
+              <a:ext uri="{28A0092B-C50C-407E-A947-70E740481C1C}">
+                <a14:useLocalDpi xmlns:a14="http://schemas.microsoft.com/office/drawing/2010/main" val="0"/>
+              </a:ext>
+            </a:extLst>
+          </a:blip>
+          <a:stretch>
+            <a:fillRect/>
+          </a:stretch>
+        </p:blipFill>
+        <p:spPr>
+          <a:xfrm>
+            <a:off x="8745236" y="-192615"/>
+            <a:ext cx="3700881" cy="3301575"/>
+          </a:xfrm>
+          <a:prstGeom prst="rect">
+            <a:avLst/>
+          </a:prstGeom>
+        </p:spPr>
+      </p:pic>
     </p:spTree>
     <p:extLst>
       <p:ext uri="{BB962C8B-B14F-4D97-AF65-F5344CB8AC3E}">
@@ -22334,6 +22390,36 @@
           </a:p>
         </p:txBody>
       </p:sp>
+      <p:pic>
+        <p:nvPicPr>
+          <p:cNvPr id="6" name="Picture 5"/>
+          <p:cNvPicPr>
+            <a:picLocks noChangeAspect="1"/>
+          </p:cNvPicPr>
+          <p:nvPr/>
+        </p:nvPicPr>
+        <p:blipFill>
+          <a:blip r:embed="rId3">
+            <a:extLst>
+              <a:ext uri="{28A0092B-C50C-407E-A947-70E740481C1C}">
+                <a14:useLocalDpi xmlns:a14="http://schemas.microsoft.com/office/drawing/2010/main" val="0"/>
+              </a:ext>
+            </a:extLst>
+          </a:blip>
+          <a:stretch>
+            <a:fillRect/>
+          </a:stretch>
+        </p:blipFill>
+        <p:spPr>
+          <a:xfrm>
+            <a:off x="8745236" y="-192615"/>
+            <a:ext cx="3700881" cy="3301575"/>
+          </a:xfrm>
+          <a:prstGeom prst="rect">
+            <a:avLst/>
+          </a:prstGeom>
+        </p:spPr>
+      </p:pic>
     </p:spTree>
     <p:extLst>
       <p:ext uri="{BB962C8B-B14F-4D97-AF65-F5344CB8AC3E}">
@@ -22480,6 +22566,36 @@
           </a:graphicData>
         </a:graphic>
       </p:graphicFrame>
+      <p:pic>
+        <p:nvPicPr>
+          <p:cNvPr id="8" name="Picture 7"/>
+          <p:cNvPicPr>
+            <a:picLocks noChangeAspect="1"/>
+          </p:cNvPicPr>
+          <p:nvPr/>
+        </p:nvPicPr>
+        <p:blipFill>
+          <a:blip r:embed="rId4">
+            <a:extLst>
+              <a:ext uri="{28A0092B-C50C-407E-A947-70E740481C1C}">
+                <a14:useLocalDpi xmlns:a14="http://schemas.microsoft.com/office/drawing/2010/main" val="0"/>
+              </a:ext>
+            </a:extLst>
+          </a:blip>
+          <a:stretch>
+            <a:fillRect/>
+          </a:stretch>
+        </p:blipFill>
+        <p:spPr>
+          <a:xfrm>
+            <a:off x="8745236" y="-192615"/>
+            <a:ext cx="3700881" cy="3301575"/>
+          </a:xfrm>
+          <a:prstGeom prst="rect">
+            <a:avLst/>
+          </a:prstGeom>
+        </p:spPr>
+      </p:pic>
     </p:spTree>
     <p:extLst>
       <p:ext uri="{BB962C8B-B14F-4D97-AF65-F5344CB8AC3E}">
@@ -22578,6 +22694,36 @@
           </a:p>
         </p:txBody>
       </p:sp>
+      <p:pic>
+        <p:nvPicPr>
+          <p:cNvPr id="4" name="Picture 3"/>
+          <p:cNvPicPr>
+            <a:picLocks noChangeAspect="1"/>
+          </p:cNvPicPr>
+          <p:nvPr/>
+        </p:nvPicPr>
+        <p:blipFill>
+          <a:blip r:embed="rId2">
+            <a:extLst>
+              <a:ext uri="{28A0092B-C50C-407E-A947-70E740481C1C}">
+                <a14:useLocalDpi xmlns:a14="http://schemas.microsoft.com/office/drawing/2010/main" val="0"/>
+              </a:ext>
+            </a:extLst>
+          </a:blip>
+          <a:stretch>
+            <a:fillRect/>
+          </a:stretch>
+        </p:blipFill>
+        <p:spPr>
+          <a:xfrm>
+            <a:off x="8745236" y="-179736"/>
+            <a:ext cx="3700881" cy="3301575"/>
+          </a:xfrm>
+          <a:prstGeom prst="rect">
+            <a:avLst/>
+          </a:prstGeom>
+        </p:spPr>
+      </p:pic>
     </p:spTree>
     <p:extLst>
       <p:ext uri="{BB962C8B-B14F-4D97-AF65-F5344CB8AC3E}">
@@ -22665,13 +22811,8 @@
           <a:p>
             <a:r>
               <a:rPr lang="en-US" dirty="0" smtClean="0"/>
-              <a:t>Objective and </a:t>
+              <a:t>Objective and Methodology</a:t>
             </a:r>
-            <a:r>
-              <a:rPr lang="en-US" dirty="0" smtClean="0"/>
-              <a:t>Methodology</a:t>
-            </a:r>
-            <a:endParaRPr lang="en-US" dirty="0" smtClean="0"/>
           </a:p>
           <a:p>
             <a:r>
